--- a/24.sort.search/sorting_searching_slides_java_aplus.pptx
+++ b/24.sort.search/sorting_searching_slides_java_aplus.pptx
@@ -446,6 +446,95 @@
   </p:cSld>
   <p:clrMap bg1="lt1" tx1="dk1" bg2="lt2" tx2="dk2" accent1="accent1" accent2="accent2" accent3="accent3" accent4="accent4" accent5="accent5" accent6="accent6" hlink="hlink" folHlink="folHlink"/>
 </p:handoutMaster>
+</file>
+
+<file path=ppt/ink/ink1.xml><?xml version="1.0" encoding="utf-8"?>
+<inkml:ink xmlns:inkml="http://www.w3.org/2003/InkML">
+  <inkml:definitions>
+    <inkml:context xml:id="ctx0">
+      <inkml:inkSource xml:id="inkSrc0">
+        <inkml:traceFormat>
+          <inkml:channel name="X" type="integer" max="9600" units="cm"/>
+          <inkml:channel name="Y" type="integer" max="7200" units="cm"/>
+          <inkml:channel name="F" type="integer" max="4096" units="dev"/>
+          <inkml:channel name="T" type="integer" max="2.14748E9" units="dev"/>
+        </inkml:traceFormat>
+        <inkml:channelProperties>
+          <inkml:channelProperty channel="X" name="resolution" value="369.51501" units="1/cm"/>
+          <inkml:channelProperty channel="Y" name="resolution" value="415.70438" units="1/cm"/>
+          <inkml:channelProperty channel="F" name="resolution" value="0" units="1/dev"/>
+          <inkml:channelProperty channel="T" name="resolution" value="1" units="1/dev"/>
+        </inkml:channelProperties>
+      </inkml:inkSource>
+      <inkml:timestamp xml:id="ts0" timeString="2019-04-24T19:15:04.749"/>
+    </inkml:context>
+    <inkml:brush xml:id="br0">
+      <inkml:brushProperty name="width" value="0.05292" units="cm"/>
+      <inkml:brushProperty name="height" value="0.05292" units="cm"/>
+      <inkml:brushProperty name="color" value="#FF0000"/>
+    </inkml:brush>
+  </inkml:definitions>
+  <inkml:trace contextRef="#ctx0" brushRef="#br0">2048 15821 403 0,'0'0'36'0,"0"0"-36"0,0 0 272 0,0 0 48 0,0 0 10 0,0 0 2 0,0 0-242 0,0 0-48 0,4 0-10 0,13 4-1 16,-12 0-22-16,8-1-9 0,-5 5 8 0,5 0-8 16,5 0 0-16,-1 3 0 0,-12 1 0 0,8 7 0 15,-5 4 0-15,5 12 0 0,-4 4 0 0,13 3 0 16,-14-3 10-16,14-1-10 0,-9-3 12 0,-4 4-12 15,4-5 15-15,4-3-4 0,-8 4-1 0,4-8 0 16,4 4-2-16,1-8 0 0,-18 0 0 0,17 0 0 16,-8-7 0-16,-5-5 0 0,5 1 0 0,-9-12 0 15,0 0 8-15,0 0 2 0,0 0 0 0,17-4 0 16,-13-7 17-16,9-5 3 0,-8 1 1 0,-1-1 0 16,-4-3-19-16,4-4-4 0,5 0-1 0,-4 3 0 15,-5 1-15-15,4 0 11 0,-4-1-11 0,13 5 10 16,-13 3-10-16,0 5 0 0,0 7 0 0,0 0 0 15,0 0 0-15,0 0 0 0,0 0-11 0,17 4 11 16,1 3 0-16,-14 5-10 0,9-1 10 0,-4 5 0 16,12-1 0-16,5 1-8 0,1-1 8 0,3 1 0 15,-8-5 0-15,-1 1 0 0,-3-1 0 0,3-3 0 16,-3-4 0-16,-1 0 0 0,1-8 0 0,-1 0 0 0,-8-4 20 0,8-3 2 16,-4-5 0-16,-4 1 0 0,8-8 6 0,-13-4 2 15,9 0 0-15,0-8 0 0,-8-8-16 0,8-7-3 0,-9-4-1 0,0 4 0 16,1 4-10-16,4 7 10 0,-5 4-10 0,-4 4 10 15,4 4-10-15,5-3 0 0,-9 6-10 0,0 5 10 32,4 0-54-32,1 7-5 0,3-3-1 0</inkml:trace>
+  <inkml:trace contextRef="#ctx0" brushRef="#br0" timeOffset="529.589">3281 16346 403 0,'-17'12'17'0,"17"-12"5"15,0 0-22-15,0 0 0 0,-5 7 0 0,-8 5 0 0,9-1 260 0,-5 1 47 0,9 0 9 0,0-1 3 16,-9-3-215-16,9 3-42 0,0 1-9 0,9 0-1 15,-9-1-37-15,0 1-7 0,9-5-8 0,-5 5 11 16,14-4-1-16,-14-4 0 0,-4-4 0 0,13 7 0 16,4-7 6-16,5 0 2 0,13 0 0 0,-9-3 0 15,-9-5 29-15,1 4 5 0,-1-4 2 0,0-3 0 16,-12-1-28-16,8 0-6 0,-5-3 0 0,5 0-1 16,-13 3-7-16,0-3 0 0,0-1-1 0,0 5 0 15,0-5-11-15,-13 1 10 0,5 7-10 0,-10-4 10 16,-3 5 7-16,-10-1 2 0,9 4 0 0,1 0 0 15,-1 4-19-15,5 0-12 0,-1 0 1 0,1 4 1 0,0 4 10 16,4-4 14-16,8 3-3 0,1 1-1 0,-5 0-27 16,0 0-6-16,9-8-1 0,9 11 0 15,-9 1-34-15,0-1-7 0,13 1-2 0,5-1-533 16,-1-3-106-16</inkml:trace>
+  <inkml:trace contextRef="#ctx0" brushRef="#br0" timeOffset="961.451">3680 16377 345 0,'0'0'31'0,"0"0"-31"0,0 0 0 0,0 0 0 16,0 0 103-16,0 0 14 0,0 0 3 0,0 0 1 15,0 0-33-15,0 0-6 0,0 0-2 0,0 0 0 16,0 0 1-16,0 0 0 0,0 0 0 0,0 0 0 15,0 0-1-15,0 0 0 0,0 0 0 0,0 0 0 16,5 11-27-16,3-3-5 0,10 0-2 0,-14 0 0 16,-4 3-16-16,9 1-3 0,4-1-1 0,4 1 0 15,-12-1-14-15,8-3-2 0,4 4-1 0,-8-1 0 16,8-3-9-16,0 4 0 0,-4-5 0 0,-4 1 8 16,4 0-8-16,5-4 0 0,-14 3 0 0,-4-7 8 15,0 0 0-15,13 0-8 0,-4 0 12 0,-9 0-4 16,0 0 15-16,0 0 2 0,0 0 1 0,0 0 0 15,-9-7 2-15,9-1 0 0,-13 0 0 0,9-3 0 16,-5-1-4-16,0 0-1 0,-4 5 0 0,-4-5 0 16,8 1-4-16,-4-1-1 0,4 0 0 0,-8 1 0 0,0 3 6 0,8-3 2 15,0 3 0-15,9-4 0 0,-17 1-14 0,17-1-4 16,0 1 0-16,0-1 0 0,4 0 4 0,9 5 0 16,-13-9 0-16,18 5 0 0,-10-1-27 0,5 4-5 15,5-3 0-15,-1 3-1 16,9-4-106-16,-4 5-21 0,4 3-4 0,0 0-767 15</inkml:trace>
+  <inkml:trace contextRef="#ctx0" brushRef="#br0" timeOffset="1454.12">4414 16338 403 0,'0'0'17'0,"0"0"5"0,9-4-22 0,0 0 0 0,8 1 0 0,-17-5 0 15,0 8 261-15,4-8 48 0,1 0 10 0,-1 1 1 16,-4 7-229-16,0 0-47 0,9-8-8 0,-9 8-3 16,0 0-17-16,0 0-3 0,0 0-1 0,0 0 0 0,-13 0 15 15,8 8 2-15,-12-4 1 0,13 3 0 0,-14 1 10 0,10 4 1 16,-1 3 1-16,-8-3 0 0,12 7-10 0,-12-4-1 16,4 1-1-16,9-5 0 0,-10 5-6 0,14-5-2 15,-8 1 0-15,8 0 0 0,0-12-14 0,8 7-8 16,6-3 10-16,-10 4-10 0,9-4 8 15,4 3-8-15,1-7 0 0,3 4 0 0,-3-4 18 0,3 0-2 16,-3 0-1-16,-1 0 0 0,5 4-15 0,-5-4-13 16,-8 4 2-16,4-4 1 0,-9 4 10 0,-4-4 14 15,0 0-3-15,0 12-1 0,-4-5-10 0,0 1 0 16,-5 0 0-16,0-1-11 0,-8 5 11 0,-5-4-12 0,5-1 12 16,-1-3-12-1,-3 4-24-15,3-4-6 0,1 0-1 0,-5-4 0 16,9 0-45-16,5 0-8 0,-5-4-3 0,-1 0-716 0</inkml:trace>
+  <inkml:trace contextRef="#ctx0" brushRef="#br0" timeOffset="1857.037">5040 15829 1324 0,'0'0'118'16,"0"0"-94"-16,0 0-24 0,0 0 0 15,0 0 177-15,0 0 31 0,0 0 7 0,0 0 1 0,0 0-155 0,0 0-30 16,0 0-7-16,0 0 0 0,0 0-24 0,4 7 0 16,-4-7 0-16,4 16 0 0,5-5 0 0,0 5 0 15,-9-5 0-15,8 5 0 0,-8 3 0 0,0 0 0 16,0 1 0-16,0 14 0 0,0 13 12 0,-8-5-3 15,8-3 0-15,0-4 0 0,-9-1 7 0,0-3 0 16,9 0 1-16,-4 0 0 0,4-4-8 0,-4-4-1 16,4-3-8-16,4 3 12 0,-4-4-4 0,4 0-8 15,5-7 11-15,-9-1-11 16,9 1 0-16,-1 0 0 0,1-5 0 0,4-3 0 0,-9 0 0 0,9 0 0 0,5 0 0 16,-9-4 0-16,4-4-12 0,4 0 3 0,5 0 1 15,-1-4 0 1,-8 5-28-16,9-5-6 0,30-4-1 0,-13 5 0 15,-8-5-12-15,-5 0-2 0,-5 1-1 0,6-1 0 16,-10 5-118-16,0-5-24 0,-4 4-5 0</inkml:trace>
+  <inkml:trace contextRef="#ctx0" brushRef="#br0" timeOffset="2041.539">4992 16300 1209 0,'-13'11'53'0,"13"-11"12"0,0 0-52 0,0 0-13 0,0 0 0 0,0 0 0 16,0 0 244-16,4 0 45 0,14 0 10 0,3-4 1 16,5-3-210-16,5-1-42 0,8-4-9 0,13 1-2 15,9-9-18-15,8 5-4 0,-8-4-1 0,4-8 0 0,0-12-29 0,-4 4-5 16,-4 8-2-16,3 0 0 16,-3 8-117-16,12 0-23 0,9-1-5 0</inkml:trace>
+  <inkml:trace contextRef="#ctx0" brushRef="#br0" timeOffset="2622.053">6881 16222 460 0,'0'0'20'0,"0"0"5"0,0 0-25 0,-9 0 0 16,1 0 0-16,-1-3 0 0,-4 3 308 0,4 0 56 16,-8 0 11-16,4 3 2 0,4-3-269 0,-21 4-53 15,-5 0-11-15,9 0-3 0,-5 0-19 0,5 4-4 16,5-1-1-16,-5 1 0 0,13 0-4 0,-13 3-1 16,8 1 0-16,5-1 0 0,-4 5 4 0,-1-1 0 15,1-3 0-15,13 7 0 0,-9-3 4 0,8-1 2 0,5 1 0 16,0-1 0-16,0 0-22 0,9 1 0 15,4-1 0-15,0-3 0 0,0-1 0 0,4-3-10 16,5 0 1-16,9-4 0 16,12-4-55-16,5-4-10 0,-9 0-2 0,0-4-524 0,-4-3-104 0</inkml:trace>
+  <inkml:trace contextRef="#ctx0" brushRef="#br0" timeOffset="3070.852">7241 16296 1335 0,'0'0'59'0,"0"0"13"0,0 0-58 0,0 0-14 0,0 0 0 0,0 0 0 15,0 0 69-15,0 0 11 0,0 0 3 0,0 0 0 16,0 0-52-16,-4-8-11 0,0 0-1 0,4 1-1 16,0 7-10-16,-13-4-8 0,4-4 12 0,0 8-12 0,1-4 26 0,-5 0-2 15,8 4 0-15,-12 4 0 0,4 0 12 0,4 4 3 16,5-4 0-16,-9 3 0 15,0 5-12-15,4-1-3 0,0 1 0 0,5 3 0 0,4 1-8 0,-4-1-3 16,4 5 0-16,0-5 0 0,0 4-4 0,0-3-1 16,4-1 0-16,0-3 0 0,5-1-8 0,0 1 0 15,4-4 0-15,0-4 0 0,-9-1 12 0,5-3-4 16,4 0 0-16,0 0 0 0,-9-7 10 0,1-1 2 16,-1 0 0-16,5-3 0 0,-9-1-7 0,4 1-1 15,0-1 0-15,5 0 0 0,-9 1-12 0,0-5 0 16,-9 1 8-16,9 7-8 0,0-3 0 0,0 3 0 0,0 0-12 15,0 8 12-15,0 0 0 0,0 0 0 0,0 0 0 0,0 0 0 16,0 0 0-16,0 0-13 0,9 8 4 0,-5 0 1 16,9 3 8-16,-8 1-10 0,3-1 10 0,1 1-10 15,-5 0 10-15,14-1-13 0,8-3 5 0,4 0 8 32,-8-1-40-32,0-3-1 0,4 0 0 0,-5-4 0 15,-3 0-43-15,-5-4-8 0,4 0-1 0,9-3-1 16,-13-9-94-16,5 5-20 0,-1-5-3 0</inkml:trace>
+  <inkml:trace contextRef="#ctx0" brushRef="#br0" timeOffset="3308.155">7684 16161 345 0,'0'0'31'0,"5"-16"-31"0,-10-11 0 0,5 0 0 15,0 12 256-15,0 15 46 0,-13 19 9 0,9 0 1 16,-9-7-172-16,4 3-34 0,-8-3-7 0,4 3-2 16,4 1-48-16,-8 3-9 0,-1 0-3 0,1 1 0 0,-5-1-13 0,5 4-4 15,4-4 0-15,4 1 0 0,-4-1 0 0,9-3-1 16,4-1 0-16,0 0 0 0,0-3-8 0,9-4-2 15,4-1 0-15,4 1 0 0,0-4 2 0,1 0 0 16,3 0 0-16,-3 0 0 0,3-4-3 0,1 3-8 16,0 5 12-16,0-4-4 0,-5 0-8 0,-4-4 0 15,4 4 0-15,1 3 8 0,-14-3-8 16,9 4 0-16,-13-8 0 0,0 8 0 16,0 3 0-16,-9-3-16 0,1 0 3 0,-1 0 0 15,0-5-33-15,-8 1-6 0,13 0-2 0,-14-8-553 16,10 0-110-16</inkml:trace>
+  <inkml:trace contextRef="#ctx0" brushRef="#br0" timeOffset="3610.343">7932 16334 633 0,'56'16'28'0,"-38"-8"6"0,3-5-34 0,-3 5 0 0,-1 0 0 0,-8 0 0 15,8-5 300-15,-4 1 54 0,5 0 10 0,-1 0 3 16,-8-4-259-16,4-4-51 0,4 0-10 0,0 0-3 15,-8 1-28-15,4-9-5 0,-4 4-2 0,4-3 0 16,0-1-9-16,-9-3 0 0,0 3-10 0,1 0 10 16,4-3 0-16,-9 3-9 0,-9 1 9 0,0 3 0 15,9-3 0-15,-13 7 0 0,4-4 9 0,-8 4-9 16,0 4 15-16,-5 4-4 0,5 4-1 0,-1 3 0 16,-3 5-2-16,-14-1-8 0,0 1 12 0,9 7-4 15,9-4 7-15,-1 4 1 0,5 4 0 0,9-4 0 16,4 1 8-16,4-5 1 0,27 4 1 0,-10 0 0 15,14-7 0-15,4-1 0 0,0-3 0 0,5-5 0 0,3-7-18 16,10 0-8-16,4-3 8 0,13-9-1099 16</inkml:trace>
+  <inkml:trace contextRef="#ctx0" brushRef="#br0" timeOffset="4325.429">9799 15956 921 0,'0'0'40'0,"0"0"10"0,0 0-40 0,4-8-10 15,-4-3 0-15,0 3 0 0,0 0 184 0,0 1 36 16,0-5 6-16,0 4 2 0,-4-3-159 0,4 3-31 0,-9-4-6 16,5 1-2-16,0-1-16 0,-5 1-3 0,0-1-1 0,1 4 0 15,-1-3 22-15,-4-1 5 0,4 1 1 0,-8 3 0 16,0-4-9-16,3 4-1 0,-3 1-1 0,8-1 0 16,-8 4-10-16,-5 0-1 0,9 0-1 0,5 4 0 15,-10 4-15-15,1 0 8 0,4 4-8 0,4 0 0 16,-4-1 0-16,9 1 0 0,-9 8 0 0,8-5 0 15,-3 5 0-15,3 3-10 0,5 4 10 0,0 0-8 16,5 0 8-16,3 4-8 0,-8 0 8 0,9 16-8 16,0 11 8-16,-5 0 0 0,1-4 0 0,8-7 0 15,-9-1 0-15,9 1 0 0,-13-1 8 0,9-3-8 16,-1-5 8-16,-3-3-8 0,-1-4 8 0,-4 0-8 16,9-4 0-16,-5-3 0 0,-4-1 0 0,0-3 0 15,0-5-60 1,0-11-9-16,0 8-3 0,0-8-527 0,0 0-105 0</inkml:trace>
+  <inkml:trace contextRef="#ctx0" brushRef="#br0" timeOffset="4494.972">9387 16412 1814 0,'0'0'80'0,"0"0"17"0,0 0-77 0,0 0-20 16,0 0 0-16,4-8 0 0,9 0 77 0,4 4 12 15,-4-3 3-15,13-5 0 0,-8 4-49 0,3 1-10 16,1-1-1-16,0 0-1 0,0 0-19 0,8 1-4 15,-8-1-8-15,12 0 12 0,-12 4-12 0,4-3 0 16,0-1-12-16,-4 4 12 16,4-4-49-16,0 1-3 0,-4-1-1 0,4 4-585 0,-9 0-117 0</inkml:trace>
+  <inkml:trace contextRef="#ctx0" brushRef="#br0" timeOffset="4827.127">9995 16404 1864 0,'0'0'83'0,"0"0"17"0,0 8-80 0,4 3-20 0,5 1 0 0,-5-1 0 15,0 1 43-15,9-4 5 0,-4 3 0 0,0-3 1 16,8 0-34-16,-8-5-7 0,4 1-8 0,4 0 11 16,-8 0-11-16,8-4 0 0,-4 0 0 0,5-4 0 15,-10 0 9-15,5 0 0 0,5-3 0 0,-10-1 0 0,5 0 11 16,-8-3 1-16,-1-5 1 0,5 5 0 15,-9-1-8-15,4-3-2 0,-4-1 0 0,0 1 0 0,-4-1-12 0,-9 1 11 16,8 3-11-16,-8-3 10 0,5 3-10 0,-10 1 12 16,1 3-12-16,-5 0 12 0,5 8-4 0,-5-4 0 15,5 8 0-15,-1 0 0 0,-3 0-18 0,-10 4-4 16,5-1-1-16,-4 5 0 0,8-4 15 16,5 3 0-16,8 1 0 0,-4 0 10 0,9-1-25 0,8 1-5 15,9-5 0-15,9 1-1 16,-1 0-96-16,-3 0-19 0,-1-5-4 0,5-3-684 0</inkml:trace>
+  <inkml:trace contextRef="#ctx0" brushRef="#br0" timeOffset="5109.33">10351 16296 345 0,'0'0'31'0,"0"0"-31"0,0 0 0 0,0 0 0 16,-9-4 239-16,9 4 41 0,9 15 9 0,8-3 2 16,-17-1-130-16,9 1-25 0,-1 0-6 0,-3 3-1 15,-1-3-66-15,9-1-14 0,-13 1-2 0,4-1-1 16,9 5-30-16,-8-5-7 0,12 1-1 0,-13 0 0 15,-4-12-8-15,13 11 0 0,-4 1 0 0,9-1 0 16,3-3 34-16,-3-4 2 0,-1 0 0 0,-4 0 0 16,-13-4 6-16,0 0 2 0,0 0 0 0,0 0 0 15,-13 0 2-15,-4-4 1 0,8 0 0 0,-8 0 0 16,12-4-21-16,-8-3-4 0,0 3-1 0,9-4 0 16,-1 1-9-16,-3-1-1 0,-1 1-1 0,9-1 0 15,0-3-2-15,0-1 0 0,0 1 0 0,9-1 0 16,-1 1-8-16,14-1 0 0,13-3 9 0,4 4-9 15,0-5-12-15,-4 5-6 0,-5-4-2 0,5 7 0 16,13 1-180-16,-18-1-37 0</inkml:trace>
+  <inkml:trace contextRef="#ctx0" brushRef="#br0" timeOffset="5625.95">11732 15790 288 0,'-18'-8'25'16,"5"8"-25"-16,13 0 0 0,0 0 0 0,-9-4 327 0,9 4 60 16,0 0 12-16,0 0 2 0,9 4-292 0,-9-4-58 15,0 0-12-15,13 8-3 0,5 4-24 0,-10 3-4 16,-8 0-8-16,9 5 11 16,0-1 1-16,4 8 1 0,-5 4 0 0,1 0 0 0,-9 7 11 0,17 1 3 15,-8-4 0-15,4 0 0 0,-17 7-2 0,8-7 0 16,13 3 0-16,-12-7 0 0,-1 4-15 0,-4-8-10 15,9 4 12-15,-9-8-12 16,17 0-18-16,-12-7-10 0,-19-5-3 0,14-3 0 16,14 4-172-16,-6-12-34 0,-8 0-7 0,0-16-2 0</inkml:trace>
+  <inkml:trace contextRef="#ctx0" brushRef="#br0" timeOffset="5960.057">12131 15809 1036 0,'-4'-7'92'0,"4"7"-73"0,0 0-19 0,0 0 0 16,-18 0 204-16,5 0 38 0,13 0 7 0,0 0 2 16,5 11-165-16,-5 1-33 0,0 3-6 0,0 1-2 15,8 3-33-15,-8 8-12 0,-13 4 0 0,13 4 9 16,5 3-9-16,3-3 0 0,-16 4 0 0,8-1 0 16,8-3 0-16,-3 0 0 0,8-8 0 0,-5 4 0 15,14 3 0-15,4-7 0 0,-4-7 11 0,0-1-11 16,-5-11 8-16,0-8-8 0,1 0 0 0,3-4 0 15,1-4 28-15,-9-7-1 0,4-1 0 0,-8 1 0 16,13-12-11-16,-9 4-3 0,0-4 0 0,-9-1 0 0,-4 1-13 0,5-15 9 16,-10-12-9-16,1 8 8 15,-13-1 0-15,-1 13-8 0,5-1 12 0,4 4-4 0,-21 8-8 16,13 0 0-16,8 7 9 0,-4 1-9 0,0 3 0 0,4 4 0 16,-8 5 0-16,13-1 0 15,4 4-33-15,0 0-2 0,-13 7 0 0,8 1 0 16,5-8-46-16,-8 16-10 0,8-1-1 0,-5 4-790 0</inkml:trace>
+  <inkml:trace contextRef="#ctx0" brushRef="#br0" timeOffset="6244.298">12478 15898 518 0,'-26'4'23'0,"26"-4"5"0,0 0-28 0,0 0 0 16,0 8 0-16,-4 11 0 0,-9 16 311 0,9-4 57 15,4-12 11-15,-9-4 2 0,-4 5-272 0,0-5-54 0,13 1-11 0,0 7-3 16,0 0-26-16,4 0-6 0,5 0-1 0,-5-4 0 15,22 1-8-15,-13-1 0 0,0-3 0 0,9-1 0 16,26 12 12-16,0-8-4 0,-9-3 0 0,-5-9 0 16,6-3 20-16,-14-4 3 0,8 0 1 0,1-7 0 15,-13-1-7-15,0-4-1 0,-1-7 0 0,5 0 0 16,-4-1-9-16,-13-7-3 0,8 4 0 0,-4-15 0 16,0-16-4-16,-13 3 0 0,-9 9-8 0,5 3 12 15,0 5-4-15,-14-1 0 0,1 4-8 0,-5 4 12 16,-4 0-12-16,13 8 0 0,-17 3 0 0,8 5 0 15,-8 3-28-15,8 4-3 0,0 0 0 0,5 0 0 16,-5 4-19-16,5 4-4 0,17-4-1 0,0 0-903 16</inkml:trace>
+  <inkml:trace contextRef="#ctx0" brushRef="#br0" timeOffset="6826.736">13373 16180 460 0,'13'27'41'0,"0"-4"-33"15,0 0 269-15,-4-7 54 0,4-1 10 0,-13-3 3 16,8-5-245-16,1 5-49 0,0-8-10 0,0 4-1 15,-1-5-25-15,5 1-5 0,-8-4-1 0,8 0 0 16,-5-4 28-16,5 1 6 0,5-9 1 0,-14 4 0 16,9-3-28-16,-4-1-6 0,4 1-1 0,-9-5 0 15,9 1 8-15,-13-1 0 0,4 1 1 0,1-1 0 16,4 5-6-16,-9-5-2 0,0 1 0 0,-9-1 0 16,4-7 0-16,1-4 0 0,-9-4 0 0,4 4 0 15,-8 8-9-15,4 4 0 0,-4 7 9 0,-1 4-9 16,10 16 10-16,-10 7-2 0,1 4-8 0,4 4 12 15,4 0-4-15,-8-4-8 0,12-3 11 0,-8 3-11 16,9 0 17-16,4 0-3 0,0 0-1 0,4-3 0 16,9 3-5-16,-4-4 0 0,9 0-8 0,-1 1 12 15,0-5 8-15,5 1 0 0,0-5 1 0,-1-3 0 16,5 0-6-16,-4-1-2 0,0-3 0 0,4 0 0 16,0-8-13-16,0 0 0 0,4-3 0 0,-4-1 0 15,9-4-38-15,0 1-10 0,4-9-3 0,0 5 0 16,-13-1-109-16,5-3-23 0,-14 0-4 0</inkml:trace>
+  <inkml:trace contextRef="#ctx0" brushRef="#br0" timeOffset="7078.063">14020 15736 1083 0,'-13'-8'96'16,"4"0"-76"-16,-8 1 148 0,0 3 29 0,-5-4 7 0,4 4 0 15,14 0-104-15,-9 1-22 0,13 3-4 0,0 0-1 16,0 0-41-16,0 0-9 0,17 3-2 0,1 5 0 15,-9 0-11-15,4 3-2 0,-5 5-8 0,5-1 12 16,-8 5 4-16,8-1 1 0,0 0 0 0,-9 12 0 16,13 4-17-16,-17 7 0 0,18 5 0 0,-14-1 0 15,9-4 0-15,-9 1 0 0,5-1-11 0,0-7 11 16,0-4 0-16,-1 0 0 0,1 0 0 0,0-8 0 16,-5 0 0-16,0-4 0 0,9-3 0 0,-13-1 0 15,9-7-40-15,-9-8-7 0,0 0-1 0,0 0-1 16,13-4-133-16,0-3-26 0,-4-5-6 0</inkml:trace>
+  <inkml:trace contextRef="#ctx0" brushRef="#br0" timeOffset="7410.176">14176 16080 1216 0,'0'0'54'0,"0"0"11"0,0 0-52 16,0 0-13-16,0 0 0 0,0 0 0 0,9 15 137 0,-9-3 25 16,0-12 5-16,4 15 1 0,1-3-96 0,-1-1-20 0,5-3-3 0,-9-8-1 15,8 8-19-15,5-1-4 0,-8-7-1 0,8 0 0 16,4 0 4-16,-8-4 1 0,4-7 0 0,-4 3 0 15,4-3-6-15,0-1-2 0,-9-3 0 0,9 3 0 16,-9-3-11-16,1-1-2 0,-1-7-8 0,-4-4 12 16,0 8-12-16,-4-1 9 15,4 5-9-15,-5 3 8 0,-8 1-8 0,5-1 0 0,-10 8 0 0,5 0 0 16,5 8 0-16,-10-4-16 0,1 4 4 0,4 4 1 16,4 3 11-16,-8 1-13 0,4 11 5 0,4 0 8 15,-4 0-8-15,9 4 8 0,-5 1 0 0,5 2 0 16,-1-3 0-16,5 4 0 0,5-4-9 0,8 0 9 15,-9-3 0-15,9-1 0 0,-4-4 0 0,4 0 0 16,4 1 0-16,0-5 0 0,-3-3 0 0,12-1 0 16,-5-3 0-16,-3-4-18 0,3-4 4 0,14 0 1 15,-9-4 13-15,5-4 0 0,-5 1 0 0,13-1 10 16,13 8-246-16,-17-4-50 0,-5-8-10 0,-4-3-1 16</inkml:trace>
+  <inkml:trace contextRef="#ctx0" brushRef="#br0" timeOffset="7876.925">14784 16203 403 0,'0'0'17'15,"0"0"5"-15,0 0-22 0,0 0 0 0,0 0 0 0,-4 8 0 0,4 3 275 0,0-3 50 16,0 4 11-16,0-1 1 0,0 1-223 0,0 3-45 16,4-3-9-16,-4-1-1 0,0 5-38 0,9-1-7 15,-9-3-2-15,0 3 0 0,4-3-1 0,1 0-1 16,3-5 0-16,-8-7 0 0,5 12 6 0,-5-12 0 16,0 0 1-16,0 0 0 0,4 11 4 0,-4-11 1 15,0 0 0-15,0 0 0 0,0 0-4 0,0 0-1 16,0-11 0-16,13-1 0 0,-13 5-5 0,0-5-2 0,4-3 0 0,-4 3 0 15,5-4-10-15,3 1 0 0,-3 7 0 0,-1-3 0 16,5 3 0-16,-5 0 0 0,1 1 0 0,-5 7 0 16,13-4 0-16,-13 4 0 0,0 0 0 0,0 0 0 15,0 0-11-15,4 7 11 0,9 1-8 0,-13 4 8 16,4-5 0-16,1 5-8 0,3 0 8 0,-3-1 0 16,-5-3 0-16,0 4 8 0,0-1 0 0,4 1 0 15,-4-12 3-15,0 7 1 0,0-7 0 0,0 0 0 16,0 0 3-16,0 0 1 0,0 0 0 0,0 0 0 15,13 4 0-15,-13-4 1 0,9-7 0 0,4-1 0 16,-9 0-8-16,9 0-1 0,-9-3-8 0,9-1 12 16,-8 4-12-16,8-3 0 0,-9 3 0 0,14 0 0 15,-18 1 0-15,4-1 0 0,-4 8 0 0,0 0 0 16,13 0 0-16,-13 0 0 0,0 0 0 0,17 0 0 16,1 8-10-16,-14-4 10 0,-4-4-8 0,22 11 8 0,8-3 0 15,-8 3-10-15,0 1 10 0,-5 0 0 0,-8-5-16 0,4 1 4 16,4 0 1-16,-8 0 0 15,4-5-32-15,0 1-6 0,4-4-2 0,-8 0 0 16,4 0-16-16,4-4-3 0,-8 1-1 0,4-5 0 16,4-4-190-16,-12 1-39 0,8-1-7 0</inkml:trace>
+  <inkml:trace contextRef="#ctx0" brushRef="#br0" timeOffset="8452.386">15492 16280 1159 0,'0'0'51'0,"0"0"11"0,0 0-50 0,0 0-12 15,0 8 0-15,0-8 0 0,4 12 139 0,1-5 25 0,-5-7 4 0,9 8 2 16,-9-8-85-16,4 12-17 0,-4-12-3 0,9 7-1 15,-9-7-24-15,8 12-6 0,-8-12-1 0,18 0 0 16,-18 0-6-16,8 0-2 0,5-4 0 16,-4-4 0-16,0 1-5 0,-5-5-2 15,9 4 0-15,-13-3 0 0,9-5-18 0,-9 5 0 0,8-5 0 0,-8 5 0 16,0-1 0-16,-8 1-11 0,-1-1 11 0,9 0-10 16,-9 5 1-16,1-1 0 0,-5 0 0 0,4 4 0 15,-4 0-3-15,9 4 0 0,-14 4 0 0,10 0 0 16,-1 4 12-16,5 0-12 0,-10-1 12 0,10 5-12 15,4 3 12-15,-9-3-10 0,9 3 10 0,0 5-10 16,0-1 10-16,9 0-8 0,-9 1 8 0,4-5-8 16,14 1 8-16,-9-1 0 0,-1-3 0 0,10 3-8 15,-1-3 8-15,5-5-10 0,-14 1 10 0,10-4-10 16,-5 0-20-16,4-4-4 0,1-4-1 0,-1 4 0 16,-8-8-88-16,4 4-17 0,4-3-4 0,-8-1-1 15,4-4-75-15,-9 5-16 16,9-9-2-16,-9 5-1 0,9-1 151 0,-8 0 31 15,-5 5 5-15,4-5 2 0,-4 8 150 0,0-4 31 0,0 1 5 0,-4 7 2 0,4-4 37 16,0 4 7-16,0 0 2 0,0 0 0 0,-5 4-91 16,5-4-17-16,0 0-4 0,0 11-1 0,-8-3-49 15,8 0-10-15,0-8-1 0,8 11-1 0,-3 1 3 0,12 0 1 16,0-5 0-16,10 1 0 0,-14 4 22 0,4-5 4 16,0-3 0-16,-8 4 1 0,4-8-5 0,-4 0-2 15,-9 0 0-15,13 0 0 0,0-8-4 0,-5 4-1 16,5-3 0-16,-8-5 0 0,8 4-18 0,-9-3-11 15,9-5 12-15,-8 5-12 0,3-5 0 0,1 5 0 0,0-1 0 16,4 0 0-16,0 1 0 0,-9 3 0 0,5 0 0 16,-1 5 0-16,1-1 0 0,4 4 8 0,-9 0-8 0,9 0 0 15,-8 4 8-15,8-1-8 0,-9 5 0 0,9 4 0 16,-8-1 0-16,-1 5 0 0,9-5 0 0,-4 5 0 16,-1-5 0-16,1 5 0 0,4-5-8 0,-4-3 8 31,4 0-28-31,0 0-4 0,-5-1 0 0,5 1 0 0,5-8-144 15,-9 0-28-15,4-8-7 0</inkml:trace>
+  <inkml:trace contextRef="#ctx0" brushRef="#br0" timeOffset="8769.541">16665 15593 633 0,'0'0'56'16,"0"0"-44"-16,0 0-12 0,0 0 0 0,0 0 334 0,8 8 65 15,5 0 13-15,-8-1 2 0,-5-7-304 0,8 16-61 16,-3-5-12-16,3 5-2 0,1-1-22 0,-5 1-4 16,1 3-1-16,3-4 0 0,-3 8-8 0,-5 1 0 15,4-1-12-15,0 4 12 0,-4 0 0 0,9 4 0 16,-9-4 0-16,0 11 12 0,-9 20-12 0,9-4 8 16,0-11-8-16,0-1 8 0,9-3 12 0,-9-4 1 15,0-4 1-15,0-1 0 0,5 1-12 0,8-8-2 16,-5-3-8-16,5-1 12 0,5 0-12 0,-1-3 0 15,0-5 0-15,5 1 0 0,-5-4 0 0,1-1-20 0,4-3 4 0,-5-4 0 32,0-4-16-32,-4 1-2 0,18-5-1 0,-14 0 0 15,0-3-15-15,1-5-3 0,-5 1-1 0,4-8-570 0,-8-5-115 16</inkml:trace>
+  <inkml:trace contextRef="#ctx0" brushRef="#br0" timeOffset="8977.979">16239 16072 921 0,'17'54'82'0,"-8"-35"-66"0,-9-11-16 0,4 3 0 15,-4-11 314-15,9 4 59 0,4 0 12 0,5-4 3 16,3-4-269-16,18 0-54 0,22-7-10 0,4-16-3 16,-4-16-31-16,9 5-6 0,-5 11-2 0,4 0 0 0,5 0-13 0,4 0-10 15,18-4 2-15,-1 4 0 16,-4 0-36-16,-12 7-6 0,-6-3-2 0,1 8 0 15,0-1-124-15,-13 1-24 0,0-1-6 0,8 5-626 16</inkml:trace>
+  <inkml:trace contextRef="#ctx0" brushRef="#br0" timeOffset="9547.487">18119 15574 403 0,'0'0'17'0,"0"0"5"0,0 0-22 0,18 7 0 15,-5 5 0-15,0-4 0 0,0-4 329 0,-9 0 62 16,1-1 12-16,-5-3 2 0,13 8-274 0,-13-4-55 16,0-4-12-16,8 12-1 0,1-1-40 0,-9 5-8 15,4-1-2-15,9 4 0 0,-8 1 1 0,-1 7 0 16,5-4 0-16,-5 8 0 0,0-4 13 0,1 19 2 15,3 8 1-15,-8 4 0 0,5-8 3 0,-1 0 1 16,5-7 0-16,-5-1 0 0,-4 1-14 0,0-8-4 16,0-1 0-16,0-7 0 0,0 0-16 0,4-3 0 15,1-5 0-15,-5-4 0 16,8-3-50-16,-8-1-7 0,0-11-2 0,0 0 0 16,18 0-185-16,-9-11-36 0</inkml:trace>
+  <inkml:trace contextRef="#ctx0" brushRef="#br0" timeOffset="9700.059">18597 15929 1396 0,'17'0'62'0,"1"15"13"0,-1 16-60 0,-8-4-15 0,4-7 0 0,-9-9 0 16,9 5 149-16,-8-5 27 0,-1 1 6 0,5-1 1 15,-9 5-95-15,8-1-20 0,1 1-3 0,-5-1-1 16,-4 8-37-16,0-3-8 0,5 3-2 0,-1-4 0 16,5 0-9-16,-9 1-8 0,4-5 9 0,0 1-9 15,-4-1-15-15,9-7-9 0,-5-4-1 0,-4-4-1 16,-17-8-182-16,13 0-36 0</inkml:trace>
+  <inkml:trace contextRef="#ctx0" brushRef="#br0" timeOffset="9829.702">18580 15732 1036 0,'-5'-8'92'0,"5"8"-73"16,0 0-19-16,0 0 0 0,0 0 257 0,0 0 48 16,0 0 10-16,0 0 1 0,0 0-211 0,9-7-42 15,-9 7-9-15,9-8-2 0,-9 8-52 0,8-4-24 16,5 0 1-16,-13 4-665 15,-4-11-132-15</inkml:trace>
+  <inkml:trace contextRef="#ctx0" brushRef="#br0" timeOffset="10080.03">19044 15775 633 0,'0'0'28'0,"-8"11"6"0,3-3-34 0,1 3 0 0,-9-3 0 0,0 4 0 15,4-1 350-15,-8 1 63 0,-1-1 13 0,1 1 2 16,0 0-312-16,-1 3-64 0,-3 4-12 0,12 1-2 15,-8 3-28-15,8-8-10 0,0 1 0 0,9-5 9 16,-13-3-9-16,26 11 0 0,5 16 0 0,3-4 0 16,-3-8 0-16,3-4 0 0,1-3 0 0,0-1 0 15,4 1 0-15,-4-5 0 0,4 1 0 0,8 0 0 16,5-1 0-16,-4 1 0 0,-13-1 0 0,-5 1 0 16,1 3 0-16,-14-3 0 0,0-1 0 0,-12 1 0 15,-14 3-8-15,0 1-4 0,-4-8-1 0,9 3 0 16,-5-3-15-16,0-12-2 0,1-7-1 0,-1-1-625 15,9 0-124-15</inkml:trace>
+  <inkml:trace contextRef="#ctx0" brushRef="#br0" timeOffset="10415.136">19526 15388 748 0,'31'58'67'0,"-27"-42"-54"15,0-5-13-15,5 5 0 0,-5-8 338 0,-4 3 65 16,0-3 13-16,5 7 2 0,-5 1-315 0,0-1-63 0,0 1-13 0,0 3-3 16,0 0-24-16,0 1 0 15,-5 3 8-15,5 0-8 0,0 4 0 0,0 0 0 0,0-4 0 16,-4 8 8-16,-5-4 17 0,5 0 3 0,0 4 1 0,4 8 0 16,0 11 19-16,-9-4 3 0,9-7 1 0,-4-8 0 15,4 3-16-15,0-7-4 0,4 0 0 0,5-4 0 16,-9 5-24-16,4-9-8 0,9 0 0 0,-9-3 0 15,5-1 8-15,4-3-8 0,5-5 0 0,-1 1 0 16,0-4 0-16,1 0-9 0,8-4 1 0,8-4 0 31,10 0-24-31,4-8-4 0,-9 5 0 0,-13-5-1 16,4 4-5-16,5-3-1 0,-9-5 0 0,-4 1 0 0,-5-4-116 16,-4-8-23-16,-9-8-5 0,1 8-716 0</inkml:trace>
+  <inkml:trace contextRef="#ctx0" brushRef="#br0" timeOffset="10597.646">19374 15890 748 0,'0'0'67'0,"0"0"-54"0,0 0-13 0,13 8 0 0,5 0 338 0,-1-8 65 16,-4 0 13-16,5-4 2 0,-1 0-296 0,5-4-59 16,4 1-12-16,0-5-3 0,8 0-48 0,-7-3 0 15,7 3-12-15,14-3 3 16,8-4-20-16,1 3-4 0,-14-3-1 0,9 3 0 15,-12 1-22-15,-1 0-4 0,0 3 0 0,-13 0-1 16,4 1-42-16,-8-8-8 0</inkml:trace>
+  <inkml:trace contextRef="#ctx0" brushRef="#br0" timeOffset="10896.846">20069 15446 806 0,'-13'0'36'0,"13"0"7"0,0 0-35 0,0 0-8 0,13 20 0 0,5-9 0 15,-14 1 316-15,13-4 60 0,-8-5 13 0,4 1 3 16,4 0-297-16,1-4-59 0,-1 0-12 0,0 0-3 16,1-4-11-16,4 4-2 0,-5 0-8 0,5 0 12 15,-5 0-12-15,5-4 11 0,4 4-11 0,0 0 10 16,-4 4 3-16,12 0 1 0,5 0 0 0,-8 0 0 16,-1 7-14-16,-4-3 0 0,0 4 0 0,-17-1 0 15,4 1 0-15,4 3 0 0,-17 1 0 0,5-1 0 16,-5 1 28-16,-5 3-1 0,-3 0 0 0,-1 1 0 15,-8-1-7-15,-5 4-2 0,-17 0 0 0,4-3 0 0,0-1-3 16,9 0-1-16,-4 0 0 0,8-7 0 0,5 3-14 0,-1-3-10 16,10 0 2-16,-5-5 0 15,8 5-104-15,-3-4-21 0,8-8-4 0,0 0-869 16</inkml:trace>
+  <inkml:trace contextRef="#ctx0" brushRef="#br0" timeOffset="11229.954">20634 16222 576 0,'0'0'25'0,"0"0"6"0,0 0-31 0,-9 4 0 16,0 0 0-16,9 0 0 0,-13-4 302 0,9 4 54 0,-13-4 12 0,4 4 1 16,4 0-299-16,-8-4-60 0,3 0-10 0,6 0 0 15,-10 3 0-15,5-3 0 0,9-3 0 0,-13 3 0 16,17 0 68-16,0 0 12 0,-5 3 4 0,5 9 0 15,0-12-4-15,0 0 0 0,0 0 0 0,18 4 0 16,3-4-38-16,1 0-8 0,-4 0-2 0,-1 0 0 16,-8 0-32-16,4 0 0 0,4 0 0 0,-8 0 0 15,-1 4 0-15,1 0 0 0,4-1 0 0,-9 5 0 16,9 0 8-16,-13 0-8 0,0-8 9 0,5 7-9 16,-1 1 0-16,-4 4 0 0,-4-1 0 0,-1-3 0 15,5 0 0-15,-4 3 12 0,-9-3-3 0,9 0-1 16,-14-4 12-16,18-4 1 0,0 0 1 0,-17 0 0 15,-13 0-32-15,4-4-6 0,8-4-2 0,5-4-777 16,4-11-155-16</inkml:trace>
+</inkml:ink>
+</file>
+
+<file path=ppt/ink/ink2.xml><?xml version="1.0" encoding="utf-8"?>
+<inkml:ink xmlns:inkml="http://www.w3.org/2003/InkML">
+  <inkml:definitions>
+    <inkml:context xml:id="ctx0">
+      <inkml:inkSource xml:id="inkSrc0">
+        <inkml:traceFormat>
+          <inkml:channel name="X" type="integer" max="4656" units="cm"/>
+          <inkml:channel name="Y" type="integer" max="1824" units="cm"/>
+          <inkml:channel name="T" type="integer" max="2.14748E9" units="dev"/>
+        </inkml:traceFormat>
+        <inkml:channelProperties>
+          <inkml:channelProperty channel="X" name="resolution" value="179.07692" units="1/cm"/>
+          <inkml:channelProperty channel="Y" name="resolution" value="105.43353" units="1/cm"/>
+          <inkml:channelProperty channel="T" name="resolution" value="1" units="1/dev"/>
+        </inkml:channelProperties>
+      </inkml:inkSource>
+      <inkml:timestamp xml:id="ts0" timeString="2019-04-24T19:29:05.230"/>
+    </inkml:context>
+    <inkml:brush xml:id="br0">
+      <inkml:brushProperty name="width" value="0.05292" units="cm"/>
+      <inkml:brushProperty name="height" value="0.05292" units="cm"/>
+      <inkml:brushProperty name="color" value="#FF0000"/>
+    </inkml:brush>
+  </inkml:definitions>
+  <inkml:trace contextRef="#ctx0" brushRef="#br0">15770 4740 0,'-30'30'297,"30"-15"-297,-15 1 0,-1 44 15,-14-14-15,15-31 16,15 16 0,0-16-16,-16 92 15,1-31 1,15-15 0,0 46-1,0-31 1,0-15-16,0 15 31,0 0-15,0-30-16,0 30 15,0-15 1,0-15 0,15 61-1,-15-31 1,31 0-16,-16 0 15,16-45 1,-1 14 0,-15-14-1,31-1 1,-16 16-16,1-31 16,15 0-1,-16 16 1,1-31 15,14 0-15,-14 0-16,14 0 15,-14 0 1,15-15 0,-16-16-1,1 16 1,-1 0-1,-15-16 1,1 16-16,29-15 16,153-92-1,-152 61 1,-16 30 0,-14-30-1,45-30 1,-46-1 15,15 16-15,31-61-1,-61 76 1,16 31-16,-16-31 16,0 30-1,0-45 1,-16 15-1,1-15 1,-15 30-16,-1 0 16,-15-15-1,-30-30 1,46-1 0,-46-60-1,60 122 1,-14-31 15,-31 15-15,46 31-1,-31-31 1,-15 15 0,31 16-1,30 0-15,-61-15 16,15 30-1,0 0 1,31 0-16,0 0 16,-16 0-1,31 15-15,-45 0 16,14 15 0,-15 16-1,16-31 1,-1 16 15,-151 106-15,90-76-1,-106 61 1,168-107 0,-1 0-1</inkml:trace>
+</inkml:ink>
 </file>
 
 <file path=ppt/notesMasters/notesMaster1.xml><?xml version="1.0" encoding="utf-8"?>
@@ -9684,6 +9773,57 @@
           </a:p>
         </p:txBody>
       </p:sp>
+      <mc:AlternateContent xmlns:mc="http://schemas.openxmlformats.org/markup-compatibility/2006" xmlns:p14="http://schemas.microsoft.com/office/powerpoint/2010/main">
+        <mc:Choice Requires="p14">
+          <p:contentPart p14:bwMode="auto" r:id="rId3">
+            <p14:nvContentPartPr>
+              <p14:cNvPr id="2" name="Ink 1">
+                <a:extLst>
+                  <a:ext uri="{FF2B5EF4-FFF2-40B4-BE49-F238E27FC236}">
+                    <a16:creationId xmlns:a16="http://schemas.microsoft.com/office/drawing/2014/main" id="{9B29C563-F689-450A-917E-4B62AE9059C3}"/>
+                  </a:ext>
+                </a:extLst>
+              </p14:cNvPr>
+              <p14:cNvContentPartPr/>
+              <p14:nvPr/>
+            </p14:nvContentPartPr>
+            <p14:xfrm>
+              <a:off x="737280" y="5539680"/>
+              <a:ext cx="6702120" cy="437040"/>
+            </p14:xfrm>
+          </p:contentPart>
+        </mc:Choice>
+        <mc:Fallback xmlns="">
+          <p:pic>
+            <p:nvPicPr>
+              <p:cNvPr id="2" name="Ink 1">
+                <a:extLst>
+                  <a:ext uri="{FF2B5EF4-FFF2-40B4-BE49-F238E27FC236}">
+                    <a16:creationId xmlns:a16="http://schemas.microsoft.com/office/drawing/2014/main" id="{9B29C563-F689-450A-917E-4B62AE9059C3}"/>
+                  </a:ext>
+                </a:extLst>
+              </p:cNvPr>
+              <p:cNvPicPr/>
+              <p:nvPr/>
+            </p:nvPicPr>
+            <p:blipFill>
+              <a:blip r:embed="rId4"/>
+              <a:stretch>
+                <a:fillRect/>
+              </a:stretch>
+            </p:blipFill>
+            <p:spPr>
+              <a:xfrm>
+                <a:off x="727920" y="5530320"/>
+                <a:ext cx="6720840" cy="455760"/>
+              </a:xfrm>
+              <a:prstGeom prst="rect">
+                <a:avLst/>
+              </a:prstGeom>
+            </p:spPr>
+          </p:pic>
+        </mc:Fallback>
+      </mc:AlternateContent>
     </p:spTree>
   </p:cSld>
   <p:clrMapOvr>
@@ -10508,6 +10648,57 @@
           </a:p>
         </p:txBody>
       </p:sp>
+      <mc:AlternateContent xmlns:mc="http://schemas.openxmlformats.org/markup-compatibility/2006" xmlns:p14="http://schemas.microsoft.com/office/powerpoint/2010/main">
+        <mc:Choice Requires="p14">
+          <p:contentPart p14:bwMode="auto" r:id="rId3">
+            <p14:nvContentPartPr>
+              <p14:cNvPr id="2" name="Ink 1">
+                <a:extLst>
+                  <a:ext uri="{FF2B5EF4-FFF2-40B4-BE49-F238E27FC236}">
+                    <a16:creationId xmlns:a16="http://schemas.microsoft.com/office/drawing/2014/main" id="{17DE967E-7185-4CB9-A937-CE5C49392797}"/>
+                  </a:ext>
+                </a:extLst>
+              </p14:cNvPr>
+              <p14:cNvContentPartPr/>
+              <p14:nvPr/>
+            </p14:nvContentPartPr>
+            <p14:xfrm>
+              <a:off x="5512680" y="1591200"/>
+              <a:ext cx="543600" cy="718920"/>
+            </p14:xfrm>
+          </p:contentPart>
+        </mc:Choice>
+        <mc:Fallback xmlns="">
+          <p:pic>
+            <p:nvPicPr>
+              <p:cNvPr id="2" name="Ink 1">
+                <a:extLst>
+                  <a:ext uri="{FF2B5EF4-FFF2-40B4-BE49-F238E27FC236}">
+                    <a16:creationId xmlns:a16="http://schemas.microsoft.com/office/drawing/2014/main" id="{17DE967E-7185-4CB9-A937-CE5C49392797}"/>
+                  </a:ext>
+                </a:extLst>
+              </p:cNvPr>
+              <p:cNvPicPr/>
+              <p:nvPr/>
+            </p:nvPicPr>
+            <p:blipFill>
+              <a:blip r:embed="rId4"/>
+              <a:stretch>
+                <a:fillRect/>
+              </a:stretch>
+            </p:blipFill>
+            <p:spPr>
+              <a:xfrm>
+                <a:off x="5503320" y="1581840"/>
+                <a:ext cx="562320" cy="737640"/>
+              </a:xfrm>
+              <a:prstGeom prst="rect">
+                <a:avLst/>
+              </a:prstGeom>
+            </p:spPr>
+          </p:pic>
+        </mc:Fallback>
+      </mc:AlternateContent>
     </p:spTree>
   </p:cSld>
   <p:clrMapOvr>
@@ -22916,113 +23107,161 @@
           <a:p>
             <a:pPr algn="l"/>
             <a:r>
-              <a:rPr lang="en-US"/>
+              <a:rPr lang="en-US" dirty="0"/>
               <a:t>void</a:t>
             </a:r>
             <a:r>
-              <a:rPr lang="en-US" b="0"/>
-              <a:t> quickSort(Comparable[] stuff, </a:t>
-            </a:r>
-            <a:r>
-              <a:rPr lang="en-US"/>
+              <a:rPr lang="en-US" b="0" dirty="0"/>
+              <a:t> </a:t>
+            </a:r>
+            <a:r>
+              <a:rPr lang="en-US" b="0" dirty="0" err="1"/>
+              <a:t>quickSort</a:t>
+            </a:r>
+            <a:r>
+              <a:rPr lang="en-US" b="0" dirty="0"/>
+              <a:t>(Comparable[] stuff, </a:t>
+            </a:r>
+            <a:r>
+              <a:rPr lang="en-US" dirty="0"/>
               <a:t>int</a:t>
             </a:r>
             <a:r>
-              <a:rPr lang="en-US" b="0"/>
+              <a:rPr lang="en-US" b="0" dirty="0"/>
               <a:t> low, </a:t>
             </a:r>
             <a:r>
-              <a:rPr lang="en-US"/>
+              <a:rPr lang="en-US" dirty="0"/>
               <a:t>int</a:t>
             </a:r>
             <a:r>
-              <a:rPr lang="en-US" b="0"/>
+              <a:rPr lang="en-US" b="0" dirty="0"/>
               <a:t> high)</a:t>
             </a:r>
           </a:p>
           <a:p>
             <a:pPr algn="l"/>
             <a:r>
-              <a:rPr lang="en-US" b="0"/>
+              <a:rPr lang="en-US" b="0" dirty="0"/>
               <a:t>{</a:t>
             </a:r>
           </a:p>
           <a:p>
             <a:pPr algn="l"/>
             <a:r>
-              <a:rPr lang="en-US"/>
+              <a:rPr lang="en-US" dirty="0"/>
               <a:t>  if</a:t>
             </a:r>
             <a:r>
-              <a:rPr lang="en-US" b="0"/>
+              <a:rPr lang="en-US" b="0" dirty="0"/>
               <a:t> (low &lt; high)</a:t>
             </a:r>
           </a:p>
           <a:p>
             <a:pPr algn="l"/>
             <a:r>
-              <a:rPr lang="en-US" b="0"/>
+              <a:rPr lang="en-US" b="0" dirty="0"/>
               <a:t>  {</a:t>
             </a:r>
           </a:p>
           <a:p>
             <a:pPr algn="l"/>
             <a:r>
-              <a:rPr lang="en-US"/>
+              <a:rPr lang="en-US" dirty="0"/>
               <a:t>    int</a:t>
             </a:r>
             <a:r>
-              <a:rPr lang="en-US" b="0"/>
+              <a:rPr lang="en-US" b="0" dirty="0"/>
               <a:t> spot = partition(stuff, low, high);</a:t>
             </a:r>
           </a:p>
           <a:p>
             <a:pPr algn="l"/>
             <a:r>
-              <a:rPr lang="en-US" b="0"/>
-              <a:t>    quickSort(stuff, low, spot);</a:t>
+              <a:rPr lang="en-US" b="0" dirty="0"/>
+              <a:t>    </a:t>
+            </a:r>
+            <a:r>
+              <a:rPr lang="en-US" b="0" dirty="0" err="1"/>
+              <a:t>quickSort</a:t>
+            </a:r>
+            <a:r>
+              <a:rPr lang="en-US" b="0" dirty="0"/>
+              <a:t>(stuff, low, spot);</a:t>
             </a:r>
           </a:p>
           <a:p>
             <a:pPr algn="l"/>
             <a:r>
-              <a:rPr lang="en-US" b="0"/>
-              <a:t>    quickSort(stuff, spot+1, high);</a:t>
+              <a:rPr lang="en-US" b="0" dirty="0"/>
+              <a:t>    </a:t>
+            </a:r>
+            <a:r>
+              <a:rPr lang="en-US" b="0" dirty="0" err="1"/>
+              <a:t>quickSort</a:t>
+            </a:r>
+            <a:r>
+              <a:rPr lang="en-US" b="0" dirty="0"/>
+              <a:t>(stuff, spot+1, high);</a:t>
             </a:r>
           </a:p>
           <a:p>
             <a:pPr algn="l"/>
             <a:r>
-              <a:rPr lang="en-US" b="0"/>
+              <a:rPr lang="en-US" b="0" dirty="0"/>
               <a:t>  }</a:t>
             </a:r>
           </a:p>
           <a:p>
             <a:pPr algn="l"/>
             <a:r>
-              <a:rPr lang="en-US" b="0"/>
+              <a:rPr lang="en-US" b="0" dirty="0"/>
               <a:t>}</a:t>
             </a:r>
           </a:p>
           <a:p>
             <a:pPr algn="l"/>
-            <a:endParaRPr lang="en-US" b="0"/>
+            <a:endParaRPr lang="en-US" b="0" dirty="0"/>
           </a:p>
           <a:p>
             <a:pPr algn="l"/>
             <a:r>
-              <a:rPr lang="en-US">
+              <a:rPr lang="en-US" dirty="0" err="1">
                 <a:solidFill>
                   <a:srgbClr val="FF3300"/>
                 </a:solidFill>
               </a:rPr>
-              <a:t>Arrays.sort( ) uses the quickSort </a:t>
+              <a:t>Arrays.sort</a:t>
+            </a:r>
+            <a:r>
+              <a:rPr lang="en-US" dirty="0">
+                <a:solidFill>
+                  <a:srgbClr val="FF3300"/>
+                </a:solidFill>
+              </a:rPr>
+              <a:t>( ) uses the </a:t>
+            </a:r>
+            <a:r>
+              <a:rPr lang="en-US" dirty="0" err="1">
+                <a:solidFill>
+                  <a:srgbClr val="FF3300"/>
+                </a:solidFill>
+              </a:rPr>
+              <a:t>quickSort</a:t>
+            </a:r>
+            <a:r>
+              <a:rPr lang="en-US" dirty="0">
+                <a:solidFill>
+                  <a:srgbClr val="FF3300"/>
+                </a:solidFill>
+              </a:rPr>
+              <a:t> </a:t>
             </a:r>
           </a:p>
           <a:p>
             <a:pPr algn="l"/>
             <a:r>
-              <a:rPr lang="en-US">
+              <a:rPr lang="en-US" dirty="0">
                 <a:solidFill>
                   <a:srgbClr val="FF3300"/>
                 </a:solidFill>
@@ -25166,7 +25405,7 @@
         <p:spPr bwMode="auto">
           <a:xfrm>
             <a:off x="228600" y="1524000"/>
-            <a:ext cx="8582025" cy="3013075"/>
+            <a:ext cx="8664551" cy="3046988"/>
           </a:xfrm>
           <a:prstGeom prst="rect">
             <a:avLst/>
@@ -25187,59 +25426,59 @@
           <a:p>
             <a:pPr algn="l"/>
             <a:r>
-              <a:rPr lang="pt-BR" sz="2400"/>
+              <a:rPr lang="pt-BR" sz="2400" dirty="0"/>
               <a:t>void mergeSort(Comparable[] stuff, int front, int back)</a:t>
             </a:r>
           </a:p>
           <a:p>
             <a:pPr algn="l"/>
             <a:r>
-              <a:rPr lang="pt-BR" sz="2400"/>
+              <a:rPr lang="pt-BR" sz="2400" dirty="0"/>
               <a:t>{</a:t>
             </a:r>
           </a:p>
           <a:p>
             <a:pPr algn="l"/>
             <a:r>
-              <a:rPr lang="pt-BR" sz="2400"/>
+              <a:rPr lang="pt-BR" sz="2400" dirty="0"/>
               <a:t>   int mid = (front+back)/2;</a:t>
             </a:r>
           </a:p>
           <a:p>
             <a:pPr algn="l"/>
             <a:r>
-              <a:rPr lang="pt-BR" sz="2400"/>
+              <a:rPr lang="pt-BR" sz="2400" dirty="0"/>
               <a:t>   if(mid==front) return;</a:t>
             </a:r>
           </a:p>
           <a:p>
             <a:pPr algn="l"/>
             <a:r>
-              <a:rPr lang="pt-BR" sz="2400"/>
+              <a:rPr lang="pt-BR" sz="2400" dirty="0"/>
               <a:t>   mergeSort(stuff, front, mid);</a:t>
             </a:r>
           </a:p>
           <a:p>
             <a:pPr algn="l"/>
             <a:r>
-              <a:rPr lang="pt-BR" sz="2400"/>
-              <a:t>   mergeSort(stuff, mid, back);</a:t>
+              <a:rPr lang="pt-BR" sz="2400" dirty="0"/>
+              <a:t>   mergeSort(stuff, mid+1, back);</a:t>
             </a:r>
           </a:p>
           <a:p>
             <a:pPr algn="l"/>
             <a:r>
-              <a:rPr lang="pt-BR" sz="2400"/>
+              <a:rPr lang="pt-BR" sz="2400" dirty="0"/>
               <a:t>   merge(stuff, front, back);</a:t>
             </a:r>
           </a:p>
           <a:p>
             <a:pPr algn="l"/>
             <a:r>
-              <a:rPr lang="pt-BR" sz="2400"/>
+              <a:rPr lang="pt-BR" sz="2400" dirty="0"/>
               <a:t>}</a:t>
             </a:r>
-            <a:endParaRPr lang="en-US">
+            <a:endParaRPr lang="en-US" dirty="0">
               <a:solidFill>
                 <a:srgbClr val="FF3300"/>
               </a:solidFill>
